--- a/Week2/2.3 Data Visualization.pptx
+++ b/Week2/2.3 Data Visualization.pptx
@@ -16,10 +16,12 @@
     <p:sldId id="263" r:id="rId10"/>
     <p:sldId id="262" r:id="rId11"/>
     <p:sldId id="264" r:id="rId12"/>
-    <p:sldId id="265" r:id="rId13"/>
-    <p:sldId id="266" r:id="rId14"/>
-    <p:sldId id="267" r:id="rId15"/>
-    <p:sldId id="268" r:id="rId16"/>
+    <p:sldId id="270" r:id="rId13"/>
+    <p:sldId id="271" r:id="rId14"/>
+    <p:sldId id="265" r:id="rId15"/>
+    <p:sldId id="266" r:id="rId16"/>
+    <p:sldId id="267" r:id="rId17"/>
+    <p:sldId id="268" r:id="rId18"/>
   </p:sldIdLst>
   <p:sldSz cx="12192000" cy="6858000"/>
   <p:notesSz cx="6858000" cy="9144000"/>
@@ -265,7 +267,7 @@
           <a:p>
             <a:fld id="{846CE7D5-CF57-46EF-B807-FDD0502418D4}" type="datetimeFigureOut">
               <a:rPr lang="en-US" smtClean="0"/>
-              <a:t>8/24/2021</a:t>
+              <a:t>8/25/21</a:t>
             </a:fld>
             <a:endParaRPr lang="en-US"/>
           </a:p>
@@ -435,7 +437,7 @@
           <a:p>
             <a:fld id="{846CE7D5-CF57-46EF-B807-FDD0502418D4}" type="datetimeFigureOut">
               <a:rPr lang="en-US" smtClean="0"/>
-              <a:t>8/24/2021</a:t>
+              <a:t>8/25/21</a:t>
             </a:fld>
             <a:endParaRPr lang="en-US"/>
           </a:p>
@@ -615,7 +617,7 @@
           <a:p>
             <a:fld id="{846CE7D5-CF57-46EF-B807-FDD0502418D4}" type="datetimeFigureOut">
               <a:rPr lang="en-US" smtClean="0"/>
-              <a:t>8/24/2021</a:t>
+              <a:t>8/25/21</a:t>
             </a:fld>
             <a:endParaRPr lang="en-US"/>
           </a:p>
@@ -823,7 +825,7 @@
           <a:p>
             <a:fld id="{B01846E3-D3F0-41A5-937D-2DCC56D4A249}" type="datetimeFigureOut">
               <a:rPr lang="en-US" smtClean="0"/>
-              <a:t>8/24/2021</a:t>
+              <a:t>8/25/21</a:t>
             </a:fld>
             <a:endParaRPr lang="en-US"/>
           </a:p>
@@ -1045,7 +1047,7 @@
           <a:p>
             <a:fld id="{B01846E3-D3F0-41A5-937D-2DCC56D4A249}" type="datetimeFigureOut">
               <a:rPr lang="en-US" smtClean="0"/>
-              <a:t>8/24/2021</a:t>
+              <a:t>8/25/21</a:t>
             </a:fld>
             <a:endParaRPr lang="en-US"/>
           </a:p>
@@ -1320,7 +1322,7 @@
           <a:p>
             <a:fld id="{B01846E3-D3F0-41A5-937D-2DCC56D4A249}" type="datetimeFigureOut">
               <a:rPr lang="en-US" smtClean="0"/>
-              <a:t>8/24/2021</a:t>
+              <a:t>8/25/21</a:t>
             </a:fld>
             <a:endParaRPr lang="en-US"/>
           </a:p>
@@ -1585,7 +1587,7 @@
           <a:p>
             <a:fld id="{B01846E3-D3F0-41A5-937D-2DCC56D4A249}" type="datetimeFigureOut">
               <a:rPr lang="en-US" smtClean="0"/>
-              <a:t>8/24/2021</a:t>
+              <a:t>8/25/21</a:t>
             </a:fld>
             <a:endParaRPr lang="en-US"/>
           </a:p>
@@ -1997,7 +1999,7 @@
           <a:p>
             <a:fld id="{B01846E3-D3F0-41A5-937D-2DCC56D4A249}" type="datetimeFigureOut">
               <a:rPr lang="en-US" smtClean="0"/>
-              <a:t>8/24/2021</a:t>
+              <a:t>8/25/21</a:t>
             </a:fld>
             <a:endParaRPr lang="en-US"/>
           </a:p>
@@ -2138,7 +2140,7 @@
           <a:p>
             <a:fld id="{B01846E3-D3F0-41A5-937D-2DCC56D4A249}" type="datetimeFigureOut">
               <a:rPr lang="en-US" smtClean="0"/>
-              <a:t>8/24/2021</a:t>
+              <a:t>8/25/21</a:t>
             </a:fld>
             <a:endParaRPr lang="en-US"/>
           </a:p>
@@ -2251,7 +2253,7 @@
           <a:p>
             <a:fld id="{B01846E3-D3F0-41A5-937D-2DCC56D4A249}" type="datetimeFigureOut">
               <a:rPr lang="en-US" smtClean="0"/>
-              <a:t>8/24/2021</a:t>
+              <a:t>8/25/21</a:t>
             </a:fld>
             <a:endParaRPr lang="en-US"/>
           </a:p>
@@ -2562,7 +2564,7 @@
           <a:p>
             <a:fld id="{B01846E3-D3F0-41A5-937D-2DCC56D4A249}" type="datetimeFigureOut">
               <a:rPr lang="en-US" smtClean="0"/>
-              <a:t>8/24/2021</a:t>
+              <a:t>8/25/21</a:t>
             </a:fld>
             <a:endParaRPr lang="en-US"/>
           </a:p>
@@ -2744,7 +2746,7 @@
           <a:p>
             <a:fld id="{846CE7D5-CF57-46EF-B807-FDD0502418D4}" type="datetimeFigureOut">
               <a:rPr lang="en-US" smtClean="0"/>
-              <a:t>8/24/2021</a:t>
+              <a:t>8/25/21</a:t>
             </a:fld>
             <a:endParaRPr lang="en-US"/>
           </a:p>
@@ -3020,7 +3022,7 @@
           <a:p>
             <a:fld id="{B01846E3-D3F0-41A5-937D-2DCC56D4A249}" type="datetimeFigureOut">
               <a:rPr lang="en-US" smtClean="0"/>
-              <a:t>8/24/2021</a:t>
+              <a:t>8/25/21</a:t>
             </a:fld>
             <a:endParaRPr lang="en-US"/>
           </a:p>
@@ -3218,7 +3220,7 @@
           <a:p>
             <a:fld id="{B01846E3-D3F0-41A5-937D-2DCC56D4A249}" type="datetimeFigureOut">
               <a:rPr lang="en-US" smtClean="0"/>
-              <a:t>8/24/2021</a:t>
+              <a:t>8/25/21</a:t>
             </a:fld>
             <a:endParaRPr lang="en-US"/>
           </a:p>
@@ -3426,7 +3428,7 @@
           <a:p>
             <a:fld id="{B01846E3-D3F0-41A5-937D-2DCC56D4A249}" type="datetimeFigureOut">
               <a:rPr lang="en-US" smtClean="0"/>
-              <a:t>8/24/2021</a:t>
+              <a:t>8/25/21</a:t>
             </a:fld>
             <a:endParaRPr lang="en-US"/>
           </a:p>
@@ -3684,7 +3686,7 @@
           <a:p>
             <a:fld id="{846CE7D5-CF57-46EF-B807-FDD0502418D4}" type="datetimeFigureOut">
               <a:rPr lang="en-US" smtClean="0"/>
-              <a:t>8/24/2021</a:t>
+              <a:t>8/25/21</a:t>
             </a:fld>
             <a:endParaRPr lang="en-US"/>
           </a:p>
@@ -3916,7 +3918,7 @@
           <a:p>
             <a:fld id="{846CE7D5-CF57-46EF-B807-FDD0502418D4}" type="datetimeFigureOut">
               <a:rPr lang="en-US" smtClean="0"/>
-              <a:t>8/24/2021</a:t>
+              <a:t>8/25/21</a:t>
             </a:fld>
             <a:endParaRPr lang="en-US"/>
           </a:p>
@@ -4283,7 +4285,7 @@
           <a:p>
             <a:fld id="{846CE7D5-CF57-46EF-B807-FDD0502418D4}" type="datetimeFigureOut">
               <a:rPr lang="en-US" smtClean="0"/>
-              <a:t>8/24/2021</a:t>
+              <a:t>8/25/21</a:t>
             </a:fld>
             <a:endParaRPr lang="en-US"/>
           </a:p>
@@ -4401,7 +4403,7 @@
           <a:p>
             <a:fld id="{846CE7D5-CF57-46EF-B807-FDD0502418D4}" type="datetimeFigureOut">
               <a:rPr lang="en-US" smtClean="0"/>
-              <a:t>8/24/2021</a:t>
+              <a:t>8/25/21</a:t>
             </a:fld>
             <a:endParaRPr lang="en-US"/>
           </a:p>
@@ -4496,7 +4498,7 @@
           <a:p>
             <a:fld id="{846CE7D5-CF57-46EF-B807-FDD0502418D4}" type="datetimeFigureOut">
               <a:rPr lang="en-US" smtClean="0"/>
-              <a:t>8/24/2021</a:t>
+              <a:t>8/25/21</a:t>
             </a:fld>
             <a:endParaRPr lang="en-US"/>
           </a:p>
@@ -4773,7 +4775,7 @@
           <a:p>
             <a:fld id="{846CE7D5-CF57-46EF-B807-FDD0502418D4}" type="datetimeFigureOut">
               <a:rPr lang="en-US" smtClean="0"/>
-              <a:t>8/24/2021</a:t>
+              <a:t>8/25/21</a:t>
             </a:fld>
             <a:endParaRPr lang="en-US"/>
           </a:p>
@@ -5030,7 +5032,7 @@
           <a:p>
             <a:fld id="{846CE7D5-CF57-46EF-B807-FDD0502418D4}" type="datetimeFigureOut">
               <a:rPr lang="en-US" smtClean="0"/>
-              <a:t>8/24/2021</a:t>
+              <a:t>8/25/21</a:t>
             </a:fld>
             <a:endParaRPr lang="en-US"/>
           </a:p>
@@ -5243,7 +5245,7 @@
           <a:p>
             <a:fld id="{846CE7D5-CF57-46EF-B807-FDD0502418D4}" type="datetimeFigureOut">
               <a:rPr lang="en-US" smtClean="0"/>
-              <a:t>8/24/2021</a:t>
+              <a:t>8/25/21</a:t>
             </a:fld>
             <a:endParaRPr lang="en-US"/>
           </a:p>
@@ -5799,7 +5801,7 @@
           <a:p>
             <a:fld id="{B01846E3-D3F0-41A5-937D-2DCC56D4A249}" type="datetimeFigureOut">
               <a:rPr lang="en-US" smtClean="0"/>
-              <a:t>8/24/2021</a:t>
+              <a:t>8/25/21</a:t>
             </a:fld>
             <a:endParaRPr lang="en-US"/>
           </a:p>
@@ -6872,7 +6874,7 @@
           <p:cNvPr id="2" name="Title 1">
             <a:extLst>
               <a:ext uri="{FF2B5EF4-FFF2-40B4-BE49-F238E27FC236}">
-                <a16:creationId xmlns:a16="http://schemas.microsoft.com/office/drawing/2014/main" id="{273D7E3D-BCDD-493E-96BB-A3762EB663DE}"/>
+                <a16:creationId xmlns:a16="http://schemas.microsoft.com/office/drawing/2014/main" id="{0655C032-81C3-4343-B77E-3EF824F7047E}"/>
               </a:ext>
             </a:extLst>
           </p:cNvPr>
@@ -6892,10 +6894,7 @@
           <a:p>
             <a:pPr algn="ctr"/>
             <a:r>
-              <a:rPr lang="en-US" sz="3200" dirty="0">
-                <a:latin typeface="Arial"/>
-                <a:cs typeface="Arial"/>
-              </a:rPr>
+              <a:rPr lang="en-US" sz="3200" dirty="0"/>
               <a:t>Histogram</a:t>
             </a:r>
           </a:p>
@@ -6906,7 +6905,7 @@
           <p:cNvPr id="3" name="Content Placeholder 2">
             <a:extLst>
               <a:ext uri="{FF2B5EF4-FFF2-40B4-BE49-F238E27FC236}">
-                <a16:creationId xmlns:a16="http://schemas.microsoft.com/office/drawing/2014/main" id="{4A905FA7-BDB8-480C-BE30-27C49C4C4441}"/>
+                <a16:creationId xmlns:a16="http://schemas.microsoft.com/office/drawing/2014/main" id="{D053C194-3791-974F-8243-57C880FA6907}"/>
               </a:ext>
             </a:extLst>
           </p:cNvPr>
@@ -6919,7 +6918,7 @@
         </p:nvSpPr>
         <p:spPr/>
         <p:txBody>
-          <a:bodyPr vert="horz" lIns="91440" tIns="45720" rIns="91440" bIns="45720" rtlCol="0" anchor="t">
+          <a:bodyPr>
             <a:normAutofit/>
           </a:bodyPr>
           <a:lstStyle/>
@@ -6929,26 +6928,106 @@
             </a:pPr>
             <a:r>
               <a:rPr lang="en-US" sz="1600" dirty="0">
-                <a:latin typeface="Arial"/>
-                <a:cs typeface="Arial"/>
-              </a:rPr>
-              <a:t>A histogram is a graph showing frequency distributions. It is a graph showing the number of observations within each given interval</a:t>
-            </a:r>
+                <a:latin typeface="Arial" panose="020B0604020202020204" pitchFamily="34" charset="0"/>
+                <a:cs typeface="Arial" panose="020B0604020202020204" pitchFamily="34" charset="0"/>
+              </a:rPr>
+              <a:t>A histogram shows the number of occurrences of different values in a dataset. At first glance, it is very similar to a bar chart. Histogram is more like a bar chart. Let’s consider an example and we will see immediately why.</a:t>
+            </a:r>
+          </a:p>
+          <a:p>
+            <a:pPr marL="0" indent="0">
+              <a:buNone/>
+            </a:pPr>
             <a:r>
               <a:rPr lang="en-US" sz="1600" dirty="0">
-                <a:ea typeface="+mn-lt"/>
-                <a:cs typeface="+mn-lt"/>
-              </a:rPr>
-              <a:t>.</a:t>
-            </a:r>
-            <a:endParaRPr lang="en-US" dirty="0"/>
-          </a:p>
-        </p:txBody>
-      </p:sp>
+                <a:latin typeface="Arial" panose="020B0604020202020204" pitchFamily="34" charset="0"/>
+                <a:cs typeface="Arial" panose="020B0604020202020204" pitchFamily="34" charset="0"/>
+              </a:rPr>
+              <a:t>Let’s say that we run a gym and we have 250 clients. For some </a:t>
+            </a:r>
+            <a:r>
+              <a:rPr lang="en-US" sz="1600" dirty="0" err="1">
+                <a:latin typeface="Arial" panose="020B0604020202020204" pitchFamily="34" charset="0"/>
+                <a:cs typeface="Arial" panose="020B0604020202020204" pitchFamily="34" charset="0"/>
+              </a:rPr>
+              <a:t>reason,we</a:t>
+            </a:r>
+            <a:r>
+              <a:rPr lang="en-US" sz="1600" dirty="0">
+                <a:latin typeface="Arial" panose="020B0604020202020204" pitchFamily="34" charset="0"/>
+                <a:cs typeface="Arial" panose="020B0604020202020204" pitchFamily="34" charset="0"/>
+              </a:rPr>
+              <a:t> want to analyze their </a:t>
+            </a:r>
+            <a:r>
+              <a:rPr lang="en-US" sz="1600" i="1" dirty="0">
+                <a:latin typeface="Arial" panose="020B0604020202020204" pitchFamily="34" charset="0"/>
+                <a:cs typeface="Arial" panose="020B0604020202020204" pitchFamily="34" charset="0"/>
+              </a:rPr>
+              <a:t>height</a:t>
+            </a:r>
+            <a:r>
+              <a:rPr lang="en-US" sz="1600" dirty="0">
+                <a:latin typeface="Arial" panose="020B0604020202020204" pitchFamily="34" charset="0"/>
+                <a:cs typeface="Arial" panose="020B0604020202020204" pitchFamily="34" charset="0"/>
+              </a:rPr>
+              <a:t>s. We have the individual data points – the height of each and every client in one big Python list:</a:t>
+            </a:r>
+          </a:p>
+          <a:p>
+            <a:pPr marL="0" indent="0">
+              <a:buNone/>
+            </a:pPr>
+            <a:endParaRPr lang="en-US" sz="1600" dirty="0">
+              <a:latin typeface="Arial" panose="020B0604020202020204" pitchFamily="34" charset="0"/>
+              <a:cs typeface="Arial" panose="020B0604020202020204" pitchFamily="34" charset="0"/>
+            </a:endParaRPr>
+          </a:p>
+          <a:p>
+            <a:pPr marL="0" indent="0">
+              <a:buNone/>
+            </a:pPr>
+            <a:endParaRPr lang="en-US" sz="1600" dirty="0">
+              <a:latin typeface="Arial" panose="020B0604020202020204" pitchFamily="34" charset="0"/>
+              <a:cs typeface="Arial" panose="020B0604020202020204" pitchFamily="34" charset="0"/>
+            </a:endParaRPr>
+          </a:p>
+        </p:txBody>
+      </p:sp>
+      <p:pic>
+        <p:nvPicPr>
+          <p:cNvPr id="4" name="Picture 3">
+            <a:extLst>
+              <a:ext uri="{FF2B5EF4-FFF2-40B4-BE49-F238E27FC236}">
+                <a16:creationId xmlns:a16="http://schemas.microsoft.com/office/drawing/2014/main" id="{30F6A12A-D3F1-A44E-8527-BBCE97004565}"/>
+              </a:ext>
+            </a:extLst>
+          </p:cNvPr>
+          <p:cNvPicPr>
+            <a:picLocks noChangeAspect="1"/>
+          </p:cNvPicPr>
+          <p:nvPr/>
+        </p:nvPicPr>
+        <p:blipFill>
+          <a:blip r:embed="rId2"/>
+          <a:stretch>
+            <a:fillRect/>
+          </a:stretch>
+        </p:blipFill>
+        <p:spPr>
+          <a:xfrm>
+            <a:off x="4100830" y="3275150"/>
+            <a:ext cx="3990340" cy="2657973"/>
+          </a:xfrm>
+          <a:prstGeom prst="rect">
+            <a:avLst/>
+          </a:prstGeom>
+        </p:spPr>
+      </p:pic>
     </p:spTree>
     <p:extLst>
       <p:ext uri="{BB962C8B-B14F-4D97-AF65-F5344CB8AC3E}">
-        <p14:creationId xmlns:p14="http://schemas.microsoft.com/office/powerpoint/2010/main" val="188495224"/>
+        <p14:creationId xmlns:p14="http://schemas.microsoft.com/office/powerpoint/2010/main" val="1733247773"/>
       </p:ext>
     </p:extLst>
   </p:cSld>
@@ -6980,6 +7059,391 @@
           <p:cNvPr id="2" name="Title 1">
             <a:extLst>
               <a:ext uri="{FF2B5EF4-FFF2-40B4-BE49-F238E27FC236}">
+                <a16:creationId xmlns:a16="http://schemas.microsoft.com/office/drawing/2014/main" id="{0655C032-81C3-4343-B77E-3EF824F7047E}"/>
+              </a:ext>
+            </a:extLst>
+          </p:cNvPr>
+          <p:cNvSpPr>
+            <a:spLocks noGrp="1"/>
+          </p:cNvSpPr>
+          <p:nvPr>
+            <p:ph type="title"/>
+          </p:nvPr>
+        </p:nvSpPr>
+        <p:spPr/>
+        <p:txBody>
+          <a:bodyPr>
+            <a:normAutofit/>
+          </a:bodyPr>
+          <a:lstStyle/>
+          <a:p>
+            <a:pPr algn="ctr"/>
+            <a:r>
+              <a:rPr lang="en-US" sz="3200" dirty="0"/>
+              <a:t>Histogram : chart</a:t>
+            </a:r>
+          </a:p>
+        </p:txBody>
+      </p:sp>
+      <p:sp>
+        <p:nvSpPr>
+          <p:cNvPr id="3" name="Content Placeholder 2">
+            <a:extLst>
+              <a:ext uri="{FF2B5EF4-FFF2-40B4-BE49-F238E27FC236}">
+                <a16:creationId xmlns:a16="http://schemas.microsoft.com/office/drawing/2014/main" id="{D053C194-3791-974F-8243-57C880FA6907}"/>
+              </a:ext>
+            </a:extLst>
+          </p:cNvPr>
+          <p:cNvSpPr>
+            <a:spLocks noGrp="1"/>
+          </p:cNvSpPr>
+          <p:nvPr>
+            <p:ph idx="1"/>
+          </p:nvPr>
+        </p:nvSpPr>
+        <p:spPr/>
+        <p:txBody>
+          <a:bodyPr>
+            <a:normAutofit/>
+          </a:bodyPr>
+          <a:lstStyle/>
+          <a:p>
+            <a:pPr marL="0" indent="0">
+              <a:buNone/>
+            </a:pPr>
+            <a:r>
+              <a:rPr lang="en-US" sz="1600" dirty="0">
+                <a:latin typeface="Arial" panose="020B0604020202020204" pitchFamily="34" charset="0"/>
+                <a:cs typeface="Arial" panose="020B0604020202020204" pitchFamily="34" charset="0"/>
+              </a:rPr>
+              <a:t>For that dataset, the histogram will look like the following. In the y axis, it’s showing the frequency of weight. </a:t>
+            </a:r>
+          </a:p>
+          <a:p>
+            <a:pPr marL="0" indent="0">
+              <a:buNone/>
+            </a:pPr>
+            <a:endParaRPr lang="en-US" sz="1600" dirty="0">
+              <a:latin typeface="Arial" panose="020B0604020202020204" pitchFamily="34" charset="0"/>
+              <a:cs typeface="Arial" panose="020B0604020202020204" pitchFamily="34" charset="0"/>
+            </a:endParaRPr>
+          </a:p>
+          <a:p>
+            <a:pPr marL="0" indent="0">
+              <a:buNone/>
+            </a:pPr>
+            <a:endParaRPr lang="en-US" sz="1600" dirty="0">
+              <a:latin typeface="Arial" panose="020B0604020202020204" pitchFamily="34" charset="0"/>
+              <a:cs typeface="Arial" panose="020B0604020202020204" pitchFamily="34" charset="0"/>
+            </a:endParaRPr>
+          </a:p>
+          <a:p>
+            <a:pPr marL="0" indent="0">
+              <a:buNone/>
+            </a:pPr>
+            <a:endParaRPr lang="en-US" sz="1600" dirty="0">
+              <a:latin typeface="Arial" panose="020B0604020202020204" pitchFamily="34" charset="0"/>
+              <a:cs typeface="Arial" panose="020B0604020202020204" pitchFamily="34" charset="0"/>
+            </a:endParaRPr>
+          </a:p>
+          <a:p>
+            <a:pPr marL="0" indent="0">
+              <a:buNone/>
+            </a:pPr>
+            <a:endParaRPr lang="en-US" sz="1600" dirty="0">
+              <a:latin typeface="Arial" panose="020B0604020202020204" pitchFamily="34" charset="0"/>
+              <a:cs typeface="Arial" panose="020B0604020202020204" pitchFamily="34" charset="0"/>
+            </a:endParaRPr>
+          </a:p>
+          <a:p>
+            <a:pPr marL="0" indent="0">
+              <a:buNone/>
+            </a:pPr>
+            <a:endParaRPr lang="en-US" sz="1600" dirty="0">
+              <a:latin typeface="Arial" panose="020B0604020202020204" pitchFamily="34" charset="0"/>
+              <a:cs typeface="Arial" panose="020B0604020202020204" pitchFamily="34" charset="0"/>
+            </a:endParaRPr>
+          </a:p>
+          <a:p>
+            <a:pPr marL="0" indent="0">
+              <a:buNone/>
+            </a:pPr>
+            <a:endParaRPr lang="en-US" sz="1600" dirty="0">
+              <a:latin typeface="Arial" panose="020B0604020202020204" pitchFamily="34" charset="0"/>
+              <a:cs typeface="Arial" panose="020B0604020202020204" pitchFamily="34" charset="0"/>
+            </a:endParaRPr>
+          </a:p>
+          <a:p>
+            <a:pPr marL="0" indent="0">
+              <a:buNone/>
+            </a:pPr>
+            <a:endParaRPr lang="en-US" sz="1600" dirty="0">
+              <a:latin typeface="Arial" panose="020B0604020202020204" pitchFamily="34" charset="0"/>
+              <a:cs typeface="Arial" panose="020B0604020202020204" pitchFamily="34" charset="0"/>
+            </a:endParaRPr>
+          </a:p>
+          <a:p>
+            <a:pPr marL="0" indent="0">
+              <a:buNone/>
+            </a:pPr>
+            <a:endParaRPr lang="en-US" sz="1600" dirty="0">
+              <a:latin typeface="Arial" panose="020B0604020202020204" pitchFamily="34" charset="0"/>
+              <a:cs typeface="Arial" panose="020B0604020202020204" pitchFamily="34" charset="0"/>
+            </a:endParaRPr>
+          </a:p>
+          <a:p>
+            <a:pPr marL="0" indent="0">
+              <a:buNone/>
+            </a:pPr>
+            <a:r>
+              <a:rPr lang="en-US" sz="1600" dirty="0">
+                <a:latin typeface="Arial" panose="020B0604020202020204" pitchFamily="34" charset="0"/>
+                <a:cs typeface="Arial" panose="020B0604020202020204" pitchFamily="34" charset="0"/>
+              </a:rPr>
+              <a:t>From here, we can guess the mean of the weight is around 175 and the mode is around 174. This one of the advantages of creating a histogram on dataset. </a:t>
+            </a:r>
+          </a:p>
+          <a:p>
+            <a:pPr marL="0" indent="0">
+              <a:buNone/>
+            </a:pPr>
+            <a:r>
+              <a:rPr lang="en-US" sz="1600" dirty="0">
+                <a:latin typeface="Arial" panose="020B0604020202020204" pitchFamily="34" charset="0"/>
+                <a:cs typeface="Arial" panose="020B0604020202020204" pitchFamily="34" charset="0"/>
+              </a:rPr>
+              <a:t>   </a:t>
+            </a:r>
+            <a:br>
+              <a:rPr lang="en-US" sz="1600" dirty="0">
+                <a:latin typeface="Arial" panose="020B0604020202020204" pitchFamily="34" charset="0"/>
+                <a:cs typeface="Arial" panose="020B0604020202020204" pitchFamily="34" charset="0"/>
+              </a:rPr>
+            </a:br>
+            <a:endParaRPr lang="en-US" sz="1600" dirty="0">
+              <a:latin typeface="Arial" panose="020B0604020202020204" pitchFamily="34" charset="0"/>
+              <a:cs typeface="Arial" panose="020B0604020202020204" pitchFamily="34" charset="0"/>
+            </a:endParaRPr>
+          </a:p>
+          <a:p>
+            <a:pPr marL="0" indent="0">
+              <a:buNone/>
+            </a:pPr>
+            <a:endParaRPr lang="en-US" sz="1600" dirty="0">
+              <a:latin typeface="Arial" panose="020B0604020202020204" pitchFamily="34" charset="0"/>
+              <a:cs typeface="Arial" panose="020B0604020202020204" pitchFamily="34" charset="0"/>
+            </a:endParaRPr>
+          </a:p>
+        </p:txBody>
+      </p:sp>
+      <p:pic>
+        <p:nvPicPr>
+          <p:cNvPr id="5" name="Picture 4">
+            <a:extLst>
+              <a:ext uri="{FF2B5EF4-FFF2-40B4-BE49-F238E27FC236}">
+                <a16:creationId xmlns:a16="http://schemas.microsoft.com/office/drawing/2014/main" id="{73977B58-EB01-9B4A-92DB-3B44911D7498}"/>
+              </a:ext>
+            </a:extLst>
+          </p:cNvPr>
+          <p:cNvPicPr>
+            <a:picLocks noChangeAspect="1"/>
+          </p:cNvPicPr>
+          <p:nvPr/>
+        </p:nvPicPr>
+        <p:blipFill>
+          <a:blip r:embed="rId2"/>
+          <a:stretch>
+            <a:fillRect/>
+          </a:stretch>
+        </p:blipFill>
+        <p:spPr>
+          <a:xfrm>
+            <a:off x="2674620" y="2155825"/>
+            <a:ext cx="3807476" cy="2546350"/>
+          </a:xfrm>
+          <a:prstGeom prst="rect">
+            <a:avLst/>
+          </a:prstGeom>
+        </p:spPr>
+      </p:pic>
+    </p:spTree>
+    <p:extLst>
+      <p:ext uri="{BB962C8B-B14F-4D97-AF65-F5344CB8AC3E}">
+        <p14:creationId xmlns:p14="http://schemas.microsoft.com/office/powerpoint/2010/main" val="72305730"/>
+      </p:ext>
+    </p:extLst>
+  </p:cSld>
+  <p:clrMapOvr>
+    <a:masterClrMapping/>
+  </p:clrMapOvr>
+</p:sld>
+</file>
+
+<file path=ppt/slides/slide13.xml><?xml version="1.0" encoding="utf-8"?>
+<p:sld xmlns:a="http://schemas.openxmlformats.org/drawingml/2006/main" xmlns:r="http://schemas.openxmlformats.org/officeDocument/2006/relationships" xmlns:p="http://schemas.openxmlformats.org/presentationml/2006/main">
+  <p:cSld>
+    <p:spTree>
+      <p:nvGrpSpPr>
+        <p:cNvPr id="1" name=""/>
+        <p:cNvGrpSpPr/>
+        <p:nvPr/>
+      </p:nvGrpSpPr>
+      <p:grpSpPr>
+        <a:xfrm>
+          <a:off x="0" y="0"/>
+          <a:ext cx="0" cy="0"/>
+          <a:chOff x="0" y="0"/>
+          <a:chExt cx="0" cy="0"/>
+        </a:xfrm>
+      </p:grpSpPr>
+      <p:sp>
+        <p:nvSpPr>
+          <p:cNvPr id="2" name="Title 1">
+            <a:extLst>
+              <a:ext uri="{FF2B5EF4-FFF2-40B4-BE49-F238E27FC236}">
+                <a16:creationId xmlns:a16="http://schemas.microsoft.com/office/drawing/2014/main" id="{273D7E3D-BCDD-493E-96BB-A3762EB663DE}"/>
+              </a:ext>
+            </a:extLst>
+          </p:cNvPr>
+          <p:cNvSpPr>
+            <a:spLocks noGrp="1"/>
+          </p:cNvSpPr>
+          <p:nvPr>
+            <p:ph type="title"/>
+          </p:nvPr>
+        </p:nvSpPr>
+        <p:spPr/>
+        <p:txBody>
+          <a:bodyPr>
+            <a:normAutofit/>
+          </a:bodyPr>
+          <a:lstStyle/>
+          <a:p>
+            <a:pPr algn="ctr"/>
+            <a:r>
+              <a:rPr lang="en-US" sz="3200" dirty="0">
+                <a:latin typeface="Arial"/>
+                <a:cs typeface="Arial"/>
+              </a:rPr>
+              <a:t>Histogram : another example</a:t>
+            </a:r>
+          </a:p>
+        </p:txBody>
+      </p:sp>
+      <p:sp>
+        <p:nvSpPr>
+          <p:cNvPr id="3" name="Content Placeholder 2">
+            <a:extLst>
+              <a:ext uri="{FF2B5EF4-FFF2-40B4-BE49-F238E27FC236}">
+                <a16:creationId xmlns:a16="http://schemas.microsoft.com/office/drawing/2014/main" id="{4A905FA7-BDB8-480C-BE30-27C49C4C4441}"/>
+              </a:ext>
+            </a:extLst>
+          </p:cNvPr>
+          <p:cNvSpPr>
+            <a:spLocks noGrp="1"/>
+          </p:cNvSpPr>
+          <p:nvPr>
+            <p:ph idx="1"/>
+          </p:nvPr>
+        </p:nvSpPr>
+        <p:spPr/>
+        <p:txBody>
+          <a:bodyPr vert="horz" lIns="91440" tIns="45720" rIns="91440" bIns="45720" rtlCol="0" anchor="t">
+            <a:normAutofit/>
+          </a:bodyPr>
+          <a:lstStyle/>
+          <a:p>
+            <a:pPr marL="0" indent="0">
+              <a:lnSpc>
+                <a:spcPct val="100000"/>
+              </a:lnSpc>
+              <a:buNone/>
+            </a:pPr>
+            <a:r>
+              <a:rPr lang="en-US" sz="1600" dirty="0">
+                <a:latin typeface="Arial" panose="020B0604020202020204" pitchFamily="34" charset="0"/>
+                <a:cs typeface="Arial" panose="020B0604020202020204" pitchFamily="34" charset="0"/>
+              </a:rPr>
+              <a:t>Another example can be given with a census focused on the demography of a country. We may use a histogram to show how many people are between the ages of 0 - 10, 11 - 20, 21 - 30, 31 - 40, 41 - 50, etc. This histogram would look similar to the example below. In y axis, the following graph is also showing the frequency of ages that appear in the range. </a:t>
+            </a:r>
+            <a:br>
+              <a:rPr lang="en-US" sz="1600" dirty="0">
+                <a:latin typeface="Arial" panose="020B0604020202020204" pitchFamily="34" charset="0"/>
+                <a:cs typeface="Arial" panose="020B0604020202020204" pitchFamily="34" charset="0"/>
+              </a:rPr>
+            </a:br>
+            <a:endParaRPr lang="en-US" sz="1600" dirty="0">
+              <a:latin typeface="Arial" panose="020B0604020202020204" pitchFamily="34" charset="0"/>
+              <a:cs typeface="Arial" panose="020B0604020202020204" pitchFamily="34" charset="0"/>
+            </a:endParaRPr>
+          </a:p>
+        </p:txBody>
+      </p:sp>
+      <p:pic>
+        <p:nvPicPr>
+          <p:cNvPr id="4" name="Picture 3">
+            <a:extLst>
+              <a:ext uri="{FF2B5EF4-FFF2-40B4-BE49-F238E27FC236}">
+                <a16:creationId xmlns:a16="http://schemas.microsoft.com/office/drawing/2014/main" id="{17534079-2C4D-1141-88DC-21CF4B211525}"/>
+              </a:ext>
+            </a:extLst>
+          </p:cNvPr>
+          <p:cNvPicPr>
+            <a:picLocks noChangeAspect="1"/>
+          </p:cNvPicPr>
+          <p:nvPr/>
+        </p:nvPicPr>
+        <p:blipFill>
+          <a:blip r:embed="rId2"/>
+          <a:stretch>
+            <a:fillRect/>
+          </a:stretch>
+        </p:blipFill>
+        <p:spPr>
+          <a:xfrm>
+            <a:off x="3581400" y="3429000"/>
+            <a:ext cx="3779520" cy="2244319"/>
+          </a:xfrm>
+          <a:prstGeom prst="rect">
+            <a:avLst/>
+          </a:prstGeom>
+        </p:spPr>
+      </p:pic>
+    </p:spTree>
+    <p:extLst>
+      <p:ext uri="{BB962C8B-B14F-4D97-AF65-F5344CB8AC3E}">
+        <p14:creationId xmlns:p14="http://schemas.microsoft.com/office/powerpoint/2010/main" val="188495224"/>
+      </p:ext>
+    </p:extLst>
+  </p:cSld>
+  <p:clrMapOvr>
+    <a:masterClrMapping/>
+  </p:clrMapOvr>
+</p:sld>
+</file>
+
+<file path=ppt/slides/slide14.xml><?xml version="1.0" encoding="utf-8"?>
+<p:sld xmlns:a="http://schemas.openxmlformats.org/drawingml/2006/main" xmlns:r="http://schemas.openxmlformats.org/officeDocument/2006/relationships" xmlns:p="http://schemas.openxmlformats.org/presentationml/2006/main">
+  <p:cSld>
+    <p:spTree>
+      <p:nvGrpSpPr>
+        <p:cNvPr id="1" name=""/>
+        <p:cNvGrpSpPr/>
+        <p:nvPr/>
+      </p:nvGrpSpPr>
+      <p:grpSpPr>
+        <a:xfrm>
+          <a:off x="0" y="0"/>
+          <a:ext cx="0" cy="0"/>
+          <a:chOff x="0" y="0"/>
+          <a:chExt cx="0" cy="0"/>
+        </a:xfrm>
+      </p:grpSpPr>
+      <p:sp>
+        <p:nvSpPr>
+          <p:cNvPr id="2" name="Title 1">
+            <a:extLst>
+              <a:ext uri="{FF2B5EF4-FFF2-40B4-BE49-F238E27FC236}">
                 <a16:creationId xmlns:a16="http://schemas.microsoft.com/office/drawing/2014/main" id="{C587D6EB-7C66-4493-8039-3B319B976B91}"/>
               </a:ext>
             </a:extLst>
@@ -7072,8 +7536,8 @@
         </p:nvSpPr>
         <p:spPr>
           <a:xfrm>
-            <a:off x="1292794" y="2613197"/>
-            <a:ext cx="4629681" cy="3108543"/>
+            <a:off x="1292793" y="2613197"/>
+            <a:ext cx="8460807" cy="3323987"/>
           </a:xfrm>
           <a:prstGeom prst="rect">
             <a:avLst/>
@@ -7185,183 +7649,205 @@
             </a:lvl9pPr>
           </a:lstStyle>
           <a:p>
-            <a:pPr eaLnBrk="0" fontAlgn="base" hangingPunct="0"/>
             <a:r>
               <a:rPr lang="en-US" sz="1400" b="1" dirty="0">
-                <a:latin typeface="Courier New"/>
-                <a:ea typeface="+mn-lt"/>
-                <a:cs typeface="+mn-lt"/>
+                <a:latin typeface="Courier New" panose="02070309020205020404" pitchFamily="49" charset="0"/>
+                <a:ea typeface="+mn-lt"/>
+                <a:cs typeface="Courier New" panose="02070309020205020404" pitchFamily="49" charset="0"/>
               </a:rPr>
               <a:t>Ex: import </a:t>
             </a:r>
             <a:r>
               <a:rPr lang="en-US" sz="1400" b="1" dirty="0" err="1">
-                <a:latin typeface="Courier New"/>
-                <a:ea typeface="+mn-lt"/>
-                <a:cs typeface="+mn-lt"/>
+                <a:latin typeface="Courier New" panose="02070309020205020404" pitchFamily="49" charset="0"/>
+                <a:ea typeface="+mn-lt"/>
+                <a:cs typeface="Courier New" panose="02070309020205020404" pitchFamily="49" charset="0"/>
               </a:rPr>
               <a:t>matplotlib.pyplot</a:t>
             </a:r>
             <a:r>
               <a:rPr lang="en-US" sz="1400" b="1" dirty="0">
-                <a:latin typeface="Courier New"/>
-                <a:ea typeface="+mn-lt"/>
-                <a:cs typeface="+mn-lt"/>
+                <a:latin typeface="Courier New" panose="02070309020205020404" pitchFamily="49" charset="0"/>
+                <a:ea typeface="+mn-lt"/>
+                <a:cs typeface="Courier New" panose="02070309020205020404" pitchFamily="49" charset="0"/>
               </a:rPr>
               <a:t> as </a:t>
             </a:r>
             <a:r>
               <a:rPr lang="en-US" sz="1400" b="1" dirty="0" err="1">
-                <a:latin typeface="Courier New"/>
-                <a:ea typeface="+mn-lt"/>
-                <a:cs typeface="+mn-lt"/>
+                <a:latin typeface="Courier New" panose="02070309020205020404" pitchFamily="49" charset="0"/>
+                <a:ea typeface="+mn-lt"/>
+                <a:cs typeface="Courier New" panose="02070309020205020404" pitchFamily="49" charset="0"/>
               </a:rPr>
               <a:t>plt</a:t>
             </a:r>
             <a:br>
               <a:rPr lang="en-US" sz="1400" b="1" dirty="0">
-                <a:latin typeface="Courier New"/>
-                <a:ea typeface="+mn-lt"/>
-                <a:cs typeface="+mn-lt"/>
+                <a:latin typeface="Courier New" panose="02070309020205020404" pitchFamily="49" charset="0"/>
+                <a:ea typeface="+mn-lt"/>
+                <a:cs typeface="Courier New" panose="02070309020205020404" pitchFamily="49" charset="0"/>
               </a:rPr>
             </a:br>
             <a:r>
               <a:rPr lang="en-US" sz="1400" b="1" dirty="0">
-                <a:latin typeface="Courier New"/>
-                <a:ea typeface="+mn-lt"/>
-                <a:cs typeface="+mn-lt"/>
+                <a:latin typeface="Courier New" panose="02070309020205020404" pitchFamily="49" charset="0"/>
+                <a:ea typeface="+mn-lt"/>
+                <a:cs typeface="Courier New" panose="02070309020205020404" pitchFamily="49" charset="0"/>
               </a:rPr>
               <a:t>    import </a:t>
             </a:r>
             <a:r>
               <a:rPr lang="en-US" sz="1400" b="1" dirty="0" err="1">
-                <a:latin typeface="Courier New"/>
-                <a:ea typeface="+mn-lt"/>
-                <a:cs typeface="+mn-lt"/>
+                <a:latin typeface="Courier New" panose="02070309020205020404" pitchFamily="49" charset="0"/>
+                <a:ea typeface="+mn-lt"/>
+                <a:cs typeface="Courier New" panose="02070309020205020404" pitchFamily="49" charset="0"/>
               </a:rPr>
               <a:t>numpy</a:t>
             </a:r>
             <a:r>
               <a:rPr lang="en-US" sz="1400" b="1" dirty="0">
-                <a:latin typeface="Courier New"/>
-                <a:ea typeface="+mn-lt"/>
-                <a:cs typeface="+mn-lt"/>
+                <a:latin typeface="Courier New" panose="02070309020205020404" pitchFamily="49" charset="0"/>
+                <a:ea typeface="+mn-lt"/>
+                <a:cs typeface="Courier New" panose="02070309020205020404" pitchFamily="49" charset="0"/>
               </a:rPr>
               <a:t> as np</a:t>
             </a:r>
             <a:br>
               <a:rPr lang="en-US" sz="1400" b="1" dirty="0">
-                <a:latin typeface="Courier New"/>
-                <a:ea typeface="+mn-lt"/>
-                <a:cs typeface="+mn-lt"/>
+                <a:latin typeface="Courier New" panose="02070309020205020404" pitchFamily="49" charset="0"/>
+                <a:ea typeface="+mn-lt"/>
+                <a:cs typeface="Courier New" panose="02070309020205020404" pitchFamily="49" charset="0"/>
               </a:rPr>
             </a:br>
             <a:r>
               <a:rPr lang="en-US" sz="1400" b="1" dirty="0">
-                <a:latin typeface="Courier New"/>
-                <a:ea typeface="+mn-lt"/>
-                <a:cs typeface="+mn-lt"/>
-              </a:rPr>
-              <a:t>    x = </a:t>
+                <a:latin typeface="Courier New" panose="02070309020205020404" pitchFamily="49" charset="0"/>
+                <a:ea typeface="+mn-lt"/>
+                <a:cs typeface="Courier New" panose="02070309020205020404" pitchFamily="49" charset="0"/>
+              </a:rPr>
+              <a:t>    x</a:t>
+            </a:r>
+            <a:r>
+              <a:rPr lang="en-US" sz="1400" b="1" dirty="0">
+                <a:latin typeface="Courier New" panose="02070309020205020404" pitchFamily="49" charset="0"/>
+                <a:cs typeface="Courier New" panose="02070309020205020404" pitchFamily="49" charset="0"/>
+              </a:rPr>
+              <a:t>x = [21,22,23,4,5,6,77,8,9,10,31,32,33,34,35,36,37,18,49,50,100]</a:t>
+            </a:r>
+          </a:p>
+          <a:p>
+            <a:r>
+              <a:rPr lang="en-US" sz="1400" b="1" dirty="0">
+                <a:latin typeface="Courier New" panose="02070309020205020404" pitchFamily="49" charset="0"/>
+                <a:cs typeface="Courier New" panose="02070309020205020404" pitchFamily="49" charset="0"/>
+              </a:rPr>
+              <a:t>    </a:t>
             </a:r>
             <a:r>
               <a:rPr lang="en-US" sz="1400" b="1" dirty="0" err="1">
-                <a:latin typeface="Courier New"/>
-                <a:ea typeface="+mn-lt"/>
-                <a:cs typeface="+mn-lt"/>
-              </a:rPr>
-              <a:t>np.random.normal</a:t>
+                <a:latin typeface="Courier New" panose="02070309020205020404" pitchFamily="49" charset="0"/>
+                <a:cs typeface="Courier New" panose="02070309020205020404" pitchFamily="49" charset="0"/>
+              </a:rPr>
+              <a:t>num_bins</a:t>
             </a:r>
             <a:r>
               <a:rPr lang="en-US" sz="1400" b="1" dirty="0">
-                <a:latin typeface="Courier New"/>
-                <a:ea typeface="+mn-lt"/>
-                <a:cs typeface="+mn-lt"/>
-              </a:rPr>
-              <a:t>(170, 10, 250)</a:t>
-            </a:r>
-            <a:br>
+                <a:latin typeface="Courier New" panose="02070309020205020404" pitchFamily="49" charset="0"/>
+                <a:cs typeface="Courier New" panose="02070309020205020404" pitchFamily="49" charset="0"/>
+              </a:rPr>
+              <a:t> = 5</a:t>
+            </a:r>
+          </a:p>
+          <a:p>
+            <a:r>
               <a:rPr lang="en-US" sz="1400" b="1" dirty="0">
-                <a:latin typeface="Courier New"/>
-                <a:ea typeface="+mn-lt"/>
-                <a:cs typeface="+mn-lt"/>
-              </a:rPr>
-            </a:br>
+                <a:latin typeface="Courier New" panose="02070309020205020404" pitchFamily="49" charset="0"/>
+                <a:cs typeface="Courier New" panose="02070309020205020404" pitchFamily="49" charset="0"/>
+              </a:rPr>
+              <a:t>    n, bins, patches = </a:t>
+            </a:r>
+            <a:r>
+              <a:rPr lang="en-US" sz="1400" b="1" dirty="0" err="1">
+                <a:latin typeface="Courier New" panose="02070309020205020404" pitchFamily="49" charset="0"/>
+                <a:cs typeface="Courier New" panose="02070309020205020404" pitchFamily="49" charset="0"/>
+              </a:rPr>
+              <a:t>plt.hist</a:t>
+            </a:r>
             <a:r>
               <a:rPr lang="en-US" sz="1400" b="1" dirty="0">
-                <a:latin typeface="Courier New"/>
-                <a:ea typeface="+mn-lt"/>
-                <a:cs typeface="+mn-lt"/>
-              </a:rPr>
-              <a:t>    </a:t>
+                <a:latin typeface="Courier New" panose="02070309020205020404" pitchFamily="49" charset="0"/>
+                <a:cs typeface="Courier New" panose="02070309020205020404" pitchFamily="49" charset="0"/>
+              </a:rPr>
+              <a:t>(x, </a:t>
             </a:r>
             <a:r>
               <a:rPr lang="en-US" sz="1400" b="1" dirty="0" err="1">
-                <a:latin typeface="Courier New"/>
-                <a:ea typeface="+mn-lt"/>
-                <a:cs typeface="+mn-lt"/>
-              </a:rPr>
-              <a:t>plt.hist</a:t>
+                <a:latin typeface="Courier New" panose="02070309020205020404" pitchFamily="49" charset="0"/>
+                <a:cs typeface="Courier New" panose="02070309020205020404" pitchFamily="49" charset="0"/>
+              </a:rPr>
+              <a:t>num_bins</a:t>
             </a:r>
             <a:r>
               <a:rPr lang="en-US" sz="1400" b="1" dirty="0">
-                <a:latin typeface="Courier New"/>
-                <a:ea typeface="+mn-lt"/>
-                <a:cs typeface="+mn-lt"/>
-              </a:rPr>
-              <a:t>(x)</a:t>
-            </a:r>
-            <a:br>
+                <a:latin typeface="Courier New" panose="02070309020205020404" pitchFamily="49" charset="0"/>
+                <a:cs typeface="Courier New" panose="02070309020205020404" pitchFamily="49" charset="0"/>
+              </a:rPr>
+              <a:t>, </a:t>
+            </a:r>
+            <a:r>
+              <a:rPr lang="en-US" sz="1400" b="1" dirty="0" err="1">
+                <a:latin typeface="Courier New" panose="02070309020205020404" pitchFamily="49" charset="0"/>
+                <a:cs typeface="Courier New" panose="02070309020205020404" pitchFamily="49" charset="0"/>
+              </a:rPr>
+              <a:t>facecolor</a:t>
+            </a:r>
+            <a:r>
               <a:rPr lang="en-US" sz="1400" b="1" dirty="0">
-                <a:latin typeface="Courier New"/>
-                <a:ea typeface="+mn-lt"/>
-                <a:cs typeface="+mn-lt"/>
-              </a:rPr>
-            </a:br>
+                <a:latin typeface="Courier New" panose="02070309020205020404" pitchFamily="49" charset="0"/>
+                <a:cs typeface="Courier New" panose="02070309020205020404" pitchFamily="49" charset="0"/>
+              </a:rPr>
+              <a:t>='blue', alpha=0.5)</a:t>
+            </a:r>
+          </a:p>
+          <a:p>
             <a:r>
               <a:rPr lang="en-US" sz="1400" b="1" dirty="0">
-                <a:latin typeface="Courier New"/>
-                <a:ea typeface="+mn-lt"/>
-                <a:cs typeface="+mn-lt"/>
-              </a:rPr>
-              <a:t>    </a:t>
+                <a:latin typeface="Courier New" panose="02070309020205020404" pitchFamily="49" charset="0"/>
+                <a:cs typeface="Courier New" panose="02070309020205020404" pitchFamily="49" charset="0"/>
+              </a:rPr>
+              <a:t>    </a:t>
             </a:r>
             <a:r>
               <a:rPr lang="en-US" sz="1400" b="1" dirty="0" err="1">
-                <a:latin typeface="Courier New"/>
-                <a:ea typeface="+mn-lt"/>
-                <a:cs typeface="+mn-lt"/>
+                <a:latin typeface="Courier New" panose="02070309020205020404" pitchFamily="49" charset="0"/>
+                <a:cs typeface="Courier New" panose="02070309020205020404" pitchFamily="49" charset="0"/>
               </a:rPr>
               <a:t>plt.show</a:t>
             </a:r>
             <a:r>
               <a:rPr lang="en-US" sz="1400" b="1" dirty="0">
-                <a:latin typeface="Courier New"/>
-                <a:ea typeface="+mn-lt"/>
-                <a:cs typeface="+mn-lt"/>
-              </a:rPr>
-              <a:t>() </a:t>
-            </a:r>
-            <a:br>
+                <a:latin typeface="Courier New" panose="02070309020205020404" pitchFamily="49" charset="0"/>
+                <a:cs typeface="Courier New" panose="02070309020205020404" pitchFamily="49" charset="0"/>
+              </a:rPr>
+              <a:t>()</a:t>
+            </a:r>
+          </a:p>
+          <a:p>
+            <a:pPr eaLnBrk="0" fontAlgn="base" hangingPunct="0"/>
+            <a:r>
               <a:rPr lang="en-US" sz="1400" b="1" dirty="0">
-                <a:latin typeface="Courier New"/>
-                <a:ea typeface="+mn-lt"/>
-                <a:cs typeface="+mn-lt"/>
-              </a:rPr>
-            </a:br>
-            <a:r>
-              <a:rPr lang="en-US" sz="1400" b="1" dirty="0">
-                <a:latin typeface="Courier New"/>
-                <a:ea typeface="+mn-lt"/>
-                <a:cs typeface="+mn-lt"/>
-              </a:rPr>
-              <a:t>    &gt;&gt;&gt; </a:t>
+                <a:latin typeface="Courier New" panose="02070309020205020404" pitchFamily="49" charset="0"/>
+                <a:ea typeface="+mn-lt"/>
+                <a:cs typeface="Courier New" panose="02070309020205020404" pitchFamily="49" charset="0"/>
+              </a:rPr>
+              <a:t>    &gt;&gt;&gt; </a:t>
             </a:r>
           </a:p>
           <a:p>
             <a:endParaRPr lang="en-US" sz="1400" b="1" dirty="0">
+              <a:latin typeface="Courier New" panose="02070309020205020404" pitchFamily="49" charset="0"/>
               <a:ea typeface="+mn-lt"/>
-              <a:cs typeface="+mn-lt"/>
+              <a:cs typeface="Courier New" panose="02070309020205020404" pitchFamily="49" charset="0"/>
             </a:endParaRPr>
           </a:p>
           <a:p>
@@ -7374,8 +7860,9 @@
               </a:spcAft>
             </a:pPr>
             <a:endParaRPr lang="en-US" altLang="en-US" sz="1400" b="1" dirty="0">
+              <a:latin typeface="Courier New" panose="02070309020205020404" pitchFamily="49" charset="0"/>
               <a:ea typeface="+mn-lt"/>
-              <a:cs typeface="+mn-lt"/>
+              <a:cs typeface="Courier New" panose="02070309020205020404" pitchFamily="49" charset="0"/>
             </a:endParaRPr>
           </a:p>
           <a:p>
@@ -7388,8 +7875,9 @@
               </a:spcAft>
             </a:pPr>
             <a:endParaRPr lang="en-US" altLang="en-US" sz="1400" b="1" dirty="0">
+              <a:latin typeface="Courier New" panose="02070309020205020404" pitchFamily="49" charset="0"/>
               <a:ea typeface="+mn-lt"/>
-              <a:cs typeface="+mn-lt"/>
+              <a:cs typeface="Courier New" panose="02070309020205020404" pitchFamily="49" charset="0"/>
             </a:endParaRPr>
           </a:p>
           <a:p>
@@ -7402,8 +7890,9 @@
               </a:spcAft>
             </a:pPr>
             <a:endParaRPr lang="en-US" altLang="en-US" sz="1400" b="1" dirty="0">
+              <a:latin typeface="Courier New" panose="02070309020205020404" pitchFamily="49" charset="0"/>
               <a:ea typeface="+mn-lt"/>
-              <a:cs typeface="+mn-lt"/>
+              <a:cs typeface="Courier New" panose="02070309020205020404" pitchFamily="49" charset="0"/>
             </a:endParaRPr>
           </a:p>
           <a:p>
@@ -7416,8 +7905,9 @@
               </a:spcAft>
             </a:pPr>
             <a:endParaRPr lang="en-US" altLang="en-US" sz="1400" b="1" dirty="0">
+              <a:latin typeface="Courier New" panose="02070309020205020404" pitchFamily="49" charset="0"/>
               <a:ea typeface="+mn-lt"/>
-              <a:cs typeface="+mn-lt"/>
+              <a:cs typeface="Courier New" panose="02070309020205020404" pitchFamily="49" charset="0"/>
             </a:endParaRPr>
           </a:p>
           <a:p>
@@ -7430,8 +7920,9 @@
               </a:spcAft>
             </a:pPr>
             <a:endParaRPr lang="en-US" altLang="en-US" sz="1400" b="1" dirty="0">
+              <a:latin typeface="Courier New" panose="02070309020205020404" pitchFamily="49" charset="0"/>
               <a:ea typeface="+mn-lt"/>
-              <a:cs typeface="+mn-lt"/>
+              <a:cs typeface="Courier New" panose="02070309020205020404" pitchFamily="49" charset="0"/>
             </a:endParaRPr>
           </a:p>
           <a:p>
@@ -7444,8 +7935,9 @@
               </a:spcAft>
             </a:pPr>
             <a:endParaRPr lang="en-US" altLang="en-US" sz="1400" b="1" dirty="0">
+              <a:latin typeface="Courier New" panose="02070309020205020404" pitchFamily="49" charset="0"/>
               <a:ea typeface="+mn-lt"/>
-              <a:cs typeface="+mn-lt"/>
+              <a:cs typeface="Courier New" panose="02070309020205020404" pitchFamily="49" charset="0"/>
             </a:endParaRPr>
           </a:p>
           <a:p>
@@ -7458,40 +7950,58 @@
               </a:spcAft>
             </a:pPr>
             <a:endParaRPr lang="en-US" altLang="en-US" sz="1400" b="1" dirty="0">
+              <a:latin typeface="Courier New" panose="02070309020205020404" pitchFamily="49" charset="0"/>
               <a:ea typeface="+mn-lt"/>
-              <a:cs typeface="+mn-lt"/>
+              <a:cs typeface="Courier New" panose="02070309020205020404" pitchFamily="49" charset="0"/>
             </a:endParaRPr>
           </a:p>
         </p:txBody>
       </p:sp>
       <p:pic>
         <p:nvPicPr>
-          <p:cNvPr id="6" name="Picture 6" descr="Chart, histogram&#10;&#10;Description automatically generated">
+          <p:cNvPr id="1026" name="Picture 2">
             <a:extLst>
               <a:ext uri="{FF2B5EF4-FFF2-40B4-BE49-F238E27FC236}">
-                <a16:creationId xmlns:a16="http://schemas.microsoft.com/office/drawing/2014/main" id="{D23C2433-0361-48E4-99D1-242F0810DB81}"/>
+                <a16:creationId xmlns:a16="http://schemas.microsoft.com/office/drawing/2014/main" id="{73AE80C1-E387-9D48-8A8B-4BDBA36B73DA}"/>
               </a:ext>
             </a:extLst>
           </p:cNvPr>
           <p:cNvPicPr>
-            <a:picLocks noChangeAspect="1"/>
+            <a:picLocks noChangeAspect="1" noChangeArrowheads="1"/>
           </p:cNvPicPr>
           <p:nvPr/>
         </p:nvPicPr>
         <p:blipFill>
-          <a:blip r:embed="rId2"/>
+          <a:blip r:embed="rId2">
+            <a:extLst>
+              <a:ext uri="{28A0092B-C50C-407E-A947-70E740481C1C}">
+                <a14:useLocalDpi xmlns:a14="http://schemas.microsoft.com/office/drawing/2010/main" val="0"/>
+              </a:ext>
+            </a:extLst>
+          </a:blip>
+          <a:srcRect/>
           <a:stretch>
             <a:fillRect/>
           </a:stretch>
         </p:blipFill>
-        <p:spPr>
+        <p:spPr bwMode="auto">
           <a:xfrm>
-            <a:off x="2235200" y="3798370"/>
-            <a:ext cx="2743200" cy="1844802"/>
+            <a:off x="2128520" y="3948211"/>
+            <a:ext cx="2870200" cy="1934266"/>
           </a:xfrm>
           <a:prstGeom prst="rect">
             <a:avLst/>
           </a:prstGeom>
+          <a:noFill/>
+          <a:extLst>
+            <a:ext uri="{909E8E84-426E-40DD-AFC4-6F175D3DCCD1}">
+              <a14:hiddenFill xmlns:a14="http://schemas.microsoft.com/office/drawing/2010/main">
+                <a:solidFill>
+                  <a:srgbClr val="FFFFFF"/>
+                </a:solidFill>
+              </a14:hiddenFill>
+            </a:ext>
+          </a:extLst>
         </p:spPr>
       </p:pic>
     </p:spTree>
@@ -7507,7 +8017,7 @@
 </p:sld>
 </file>
 
-<file path=ppt/slides/slide13.xml><?xml version="1.0" encoding="utf-8"?>
+<file path=ppt/slides/slide15.xml><?xml version="1.0" encoding="utf-8"?>
 <p:sld xmlns:a="http://schemas.openxmlformats.org/drawingml/2006/main" xmlns:r="http://schemas.openxmlformats.org/officeDocument/2006/relationships" xmlns:p="http://schemas.openxmlformats.org/presentationml/2006/main">
   <p:cSld>
     <p:spTree>
@@ -7613,7 +8123,7 @@
 </p:sld>
 </file>
 
-<file path=ppt/slides/slide14.xml><?xml version="1.0" encoding="utf-8"?>
+<file path=ppt/slides/slide16.xml><?xml version="1.0" encoding="utf-8"?>
 <p:sld xmlns:a="http://schemas.openxmlformats.org/drawingml/2006/main" xmlns:r="http://schemas.openxmlformats.org/officeDocument/2006/relationships" xmlns:p="http://schemas.openxmlformats.org/presentationml/2006/main">
   <p:cSld>
     <p:spTree>
@@ -7717,43 +8227,13 @@
               </a:rPr>
               <a:t>, we can use the pie() function to draw pie charts: </a:t>
             </a:r>
-            <a:endParaRPr lang="en-US" sz="1600">
+            <a:endParaRPr lang="en-US" sz="1600" dirty="0">
               <a:latin typeface="Alien"/>
               <a:cs typeface="Calibri"/>
             </a:endParaRPr>
           </a:p>
         </p:txBody>
       </p:sp>
-      <p:pic>
-        <p:nvPicPr>
-          <p:cNvPr id="4" name="Picture 4" descr="Chart, pie chart&#10;&#10;Description automatically generated">
-            <a:extLst>
-              <a:ext uri="{FF2B5EF4-FFF2-40B4-BE49-F238E27FC236}">
-                <a16:creationId xmlns:a16="http://schemas.microsoft.com/office/drawing/2014/main" id="{1C7B158D-FAD1-4000-83F3-1D3F3579365B}"/>
-              </a:ext>
-            </a:extLst>
-          </p:cNvPr>
-          <p:cNvPicPr>
-            <a:picLocks noChangeAspect="1"/>
-          </p:cNvPicPr>
-          <p:nvPr/>
-        </p:nvPicPr>
-        <p:blipFill>
-          <a:blip r:embed="rId2"/>
-          <a:stretch>
-            <a:fillRect/>
-          </a:stretch>
-        </p:blipFill>
-        <p:spPr>
-          <a:xfrm>
-            <a:off x="2619828" y="2739936"/>
-            <a:ext cx="2002972" cy="2016757"/>
-          </a:xfrm>
-          <a:prstGeom prst="rect">
-            <a:avLst/>
-          </a:prstGeom>
-        </p:spPr>
-      </p:pic>
       <p:sp>
         <p:nvSpPr>
           <p:cNvPr id="6" name="TextBox 5">
@@ -7769,7 +8249,7 @@
         <p:spPr>
           <a:xfrm>
             <a:off x="1205708" y="2170512"/>
-            <a:ext cx="4629681" cy="2677656"/>
+            <a:ext cx="5393212" cy="3323987"/>
           </a:xfrm>
           <a:prstGeom prst="rect">
             <a:avLst/>
@@ -7966,7 +8446,31 @@
                 <a:ea typeface="+mn-lt"/>
                 <a:cs typeface="+mn-lt"/>
               </a:rPr>
-              <a:t>    &gt;&gt;&gt; </a:t>
+              <a:t>    &gt;&gt;&gt;</a:t>
+            </a:r>
+          </a:p>
+          <a:p>
+            <a:endParaRPr lang="en-US" sz="1400" b="1" dirty="0">
+              <a:latin typeface="Courier New"/>
+              <a:ea typeface="+mn-lt"/>
+              <a:cs typeface="+mn-lt"/>
+            </a:endParaRPr>
+          </a:p>
+          <a:p>
+            <a:endParaRPr lang="en-US" sz="1400" b="1" dirty="0">
+              <a:latin typeface="Courier New"/>
+              <a:ea typeface="+mn-lt"/>
+              <a:cs typeface="+mn-lt"/>
+            </a:endParaRPr>
+          </a:p>
+          <a:p>
+            <a:r>
+              <a:rPr lang="en-US" sz="1400" b="1" dirty="0">
+                <a:latin typeface="Courier New"/>
+                <a:ea typeface="+mn-lt"/>
+                <a:cs typeface="+mn-lt"/>
+              </a:rPr>
+              <a:t> </a:t>
             </a:r>
           </a:p>
           <a:p>
@@ -8075,6 +8579,53 @@
           </a:p>
         </p:txBody>
       </p:sp>
+      <p:pic>
+        <p:nvPicPr>
+          <p:cNvPr id="2050" name="Picture 2">
+            <a:extLst>
+              <a:ext uri="{FF2B5EF4-FFF2-40B4-BE49-F238E27FC236}">
+                <a16:creationId xmlns:a16="http://schemas.microsoft.com/office/drawing/2014/main" id="{B5720F12-F2C5-1546-B1C2-A815DC08DC9F}"/>
+              </a:ext>
+            </a:extLst>
+          </p:cNvPr>
+          <p:cNvPicPr>
+            <a:picLocks noChangeAspect="1" noChangeArrowheads="1"/>
+          </p:cNvPicPr>
+          <p:nvPr/>
+        </p:nvPicPr>
+        <p:blipFill>
+          <a:blip r:embed="rId2">
+            <a:extLst>
+              <a:ext uri="{28A0092B-C50C-407E-A947-70E740481C1C}">
+                <a14:useLocalDpi xmlns:a14="http://schemas.microsoft.com/office/drawing/2010/main" val="0"/>
+              </a:ext>
+            </a:extLst>
+          </a:blip>
+          <a:srcRect/>
+          <a:stretch>
+            <a:fillRect/>
+          </a:stretch>
+        </p:blipFill>
+        <p:spPr bwMode="auto">
+          <a:xfrm>
+            <a:off x="1642984" y="2560799"/>
+            <a:ext cx="2933700" cy="2933700"/>
+          </a:xfrm>
+          <a:prstGeom prst="rect">
+            <a:avLst/>
+          </a:prstGeom>
+          <a:noFill/>
+          <a:extLst>
+            <a:ext uri="{909E8E84-426E-40DD-AFC4-6F175D3DCCD1}">
+              <a14:hiddenFill xmlns:a14="http://schemas.microsoft.com/office/drawing/2010/main">
+                <a:solidFill>
+                  <a:srgbClr val="FFFFFF"/>
+                </a:solidFill>
+              </a14:hiddenFill>
+            </a:ext>
+          </a:extLst>
+        </p:spPr>
+      </p:pic>
     </p:spTree>
     <p:extLst>
       <p:ext uri="{BB962C8B-B14F-4D97-AF65-F5344CB8AC3E}">

--- a/Week2/2.3 Data Visualization.pptx
+++ b/Week2/2.3 Data Visualization.pptx
@@ -22,6 +22,7 @@
     <p:sldId id="266" r:id="rId16"/>
     <p:sldId id="267" r:id="rId17"/>
     <p:sldId id="268" r:id="rId18"/>
+    <p:sldId id="272" r:id="rId19"/>
   </p:sldIdLst>
   <p:sldSz cx="12192000" cy="6858000"/>
   <p:notesSz cx="6858000" cy="9144000"/>
@@ -8630,6 +8631,102 @@
     <p:extLst>
       <p:ext uri="{BB962C8B-B14F-4D97-AF65-F5344CB8AC3E}">
         <p14:creationId xmlns:p14="http://schemas.microsoft.com/office/powerpoint/2010/main" val="2064359055"/>
+      </p:ext>
+    </p:extLst>
+  </p:cSld>
+  <p:clrMapOvr>
+    <a:masterClrMapping/>
+  </p:clrMapOvr>
+</p:sld>
+</file>
+
+<file path=ppt/slides/slide17.xml><?xml version="1.0" encoding="utf-8"?>
+<p:sld xmlns:a="http://schemas.openxmlformats.org/drawingml/2006/main" xmlns:r="http://schemas.openxmlformats.org/officeDocument/2006/relationships" xmlns:p="http://schemas.openxmlformats.org/presentationml/2006/main">
+  <p:cSld>
+    <p:spTree>
+      <p:nvGrpSpPr>
+        <p:cNvPr id="1" name=""/>
+        <p:cNvGrpSpPr/>
+        <p:nvPr/>
+      </p:nvGrpSpPr>
+      <p:grpSpPr>
+        <a:xfrm>
+          <a:off x="0" y="0"/>
+          <a:ext cx="0" cy="0"/>
+          <a:chOff x="0" y="0"/>
+          <a:chExt cx="0" cy="0"/>
+        </a:xfrm>
+      </p:grpSpPr>
+      <p:sp>
+        <p:nvSpPr>
+          <p:cNvPr id="2" name="Title 1">
+            <a:extLst>
+              <a:ext uri="{FF2B5EF4-FFF2-40B4-BE49-F238E27FC236}">
+                <a16:creationId xmlns:a16="http://schemas.microsoft.com/office/drawing/2014/main" id="{7DA52F5C-8E10-B34C-84B5-1DF555E6AB0C}"/>
+              </a:ext>
+            </a:extLst>
+          </p:cNvPr>
+          <p:cNvSpPr>
+            <a:spLocks noGrp="1"/>
+          </p:cNvSpPr>
+          <p:nvPr>
+            <p:ph type="title"/>
+          </p:nvPr>
+        </p:nvSpPr>
+        <p:spPr/>
+        <p:txBody>
+          <a:bodyPr>
+            <a:normAutofit/>
+          </a:bodyPr>
+          <a:lstStyle/>
+          <a:p>
+            <a:pPr algn="ctr"/>
+            <a:r>
+              <a:rPr lang="en-US" sz="3200" dirty="0">
+                <a:latin typeface="Arial" panose="020B0604020202020204" pitchFamily="34" charset="0"/>
+                <a:cs typeface="Arial" panose="020B0604020202020204" pitchFamily="34" charset="0"/>
+              </a:rPr>
+              <a:t>Boxplot</a:t>
+            </a:r>
+          </a:p>
+        </p:txBody>
+      </p:sp>
+      <p:pic>
+        <p:nvPicPr>
+          <p:cNvPr id="4" name="Content Placeholder 3">
+            <a:extLst>
+              <a:ext uri="{FF2B5EF4-FFF2-40B4-BE49-F238E27FC236}">
+                <a16:creationId xmlns:a16="http://schemas.microsoft.com/office/drawing/2014/main" id="{CE29F6CE-F08D-4146-9B1C-777456CF4CF5}"/>
+              </a:ext>
+            </a:extLst>
+          </p:cNvPr>
+          <p:cNvPicPr>
+            <a:picLocks noGrp="1" noChangeAspect="1"/>
+          </p:cNvPicPr>
+          <p:nvPr>
+            <p:ph idx="1"/>
+          </p:nvPr>
+        </p:nvPicPr>
+        <p:blipFill>
+          <a:blip r:embed="rId2"/>
+          <a:stretch>
+            <a:fillRect/>
+          </a:stretch>
+        </p:blipFill>
+        <p:spPr>
+          <a:xfrm>
+            <a:off x="2376485" y="1825625"/>
+            <a:ext cx="7439029" cy="4351338"/>
+          </a:xfrm>
+          <a:prstGeom prst="rect">
+            <a:avLst/>
+          </a:prstGeom>
+        </p:spPr>
+      </p:pic>
+    </p:spTree>
+    <p:extLst>
+      <p:ext uri="{BB962C8B-B14F-4D97-AF65-F5344CB8AC3E}">
+        <p14:creationId xmlns:p14="http://schemas.microsoft.com/office/powerpoint/2010/main" val="1059476504"/>
       </p:ext>
     </p:extLst>
   </p:cSld>

--- a/Week2/2.3 Data Visualization.pptx
+++ b/Week2/2.3 Data Visualization.pptx
@@ -22,7 +22,8 @@
     <p:sldId id="266" r:id="rId16"/>
     <p:sldId id="267" r:id="rId17"/>
     <p:sldId id="268" r:id="rId18"/>
-    <p:sldId id="272" r:id="rId19"/>
+    <p:sldId id="273" r:id="rId19"/>
+    <p:sldId id="272" r:id="rId20"/>
   </p:sldIdLst>
   <p:sldSz cx="12192000" cy="6858000"/>
   <p:notesSz cx="6858000" cy="9144000"/>
@@ -268,7 +269,7 @@
           <a:p>
             <a:fld id="{846CE7D5-CF57-46EF-B807-FDD0502418D4}" type="datetimeFigureOut">
               <a:rPr lang="en-US" smtClean="0"/>
-              <a:t>8/25/21</a:t>
+              <a:t>8/26/21</a:t>
             </a:fld>
             <a:endParaRPr lang="en-US"/>
           </a:p>
@@ -438,7 +439,7 @@
           <a:p>
             <a:fld id="{846CE7D5-CF57-46EF-B807-FDD0502418D4}" type="datetimeFigureOut">
               <a:rPr lang="en-US" smtClean="0"/>
-              <a:t>8/25/21</a:t>
+              <a:t>8/26/21</a:t>
             </a:fld>
             <a:endParaRPr lang="en-US"/>
           </a:p>
@@ -618,7 +619,7 @@
           <a:p>
             <a:fld id="{846CE7D5-CF57-46EF-B807-FDD0502418D4}" type="datetimeFigureOut">
               <a:rPr lang="en-US" smtClean="0"/>
-              <a:t>8/25/21</a:t>
+              <a:t>8/26/21</a:t>
             </a:fld>
             <a:endParaRPr lang="en-US"/>
           </a:p>
@@ -826,7 +827,7 @@
           <a:p>
             <a:fld id="{B01846E3-D3F0-41A5-937D-2DCC56D4A249}" type="datetimeFigureOut">
               <a:rPr lang="en-US" smtClean="0"/>
-              <a:t>8/25/21</a:t>
+              <a:t>8/26/21</a:t>
             </a:fld>
             <a:endParaRPr lang="en-US"/>
           </a:p>
@@ -1048,7 +1049,7 @@
           <a:p>
             <a:fld id="{B01846E3-D3F0-41A5-937D-2DCC56D4A249}" type="datetimeFigureOut">
               <a:rPr lang="en-US" smtClean="0"/>
-              <a:t>8/25/21</a:t>
+              <a:t>8/26/21</a:t>
             </a:fld>
             <a:endParaRPr lang="en-US"/>
           </a:p>
@@ -1323,7 +1324,7 @@
           <a:p>
             <a:fld id="{B01846E3-D3F0-41A5-937D-2DCC56D4A249}" type="datetimeFigureOut">
               <a:rPr lang="en-US" smtClean="0"/>
-              <a:t>8/25/21</a:t>
+              <a:t>8/26/21</a:t>
             </a:fld>
             <a:endParaRPr lang="en-US"/>
           </a:p>
@@ -1588,7 +1589,7 @@
           <a:p>
             <a:fld id="{B01846E3-D3F0-41A5-937D-2DCC56D4A249}" type="datetimeFigureOut">
               <a:rPr lang="en-US" smtClean="0"/>
-              <a:t>8/25/21</a:t>
+              <a:t>8/26/21</a:t>
             </a:fld>
             <a:endParaRPr lang="en-US"/>
           </a:p>
@@ -2000,7 +2001,7 @@
           <a:p>
             <a:fld id="{B01846E3-D3F0-41A5-937D-2DCC56D4A249}" type="datetimeFigureOut">
               <a:rPr lang="en-US" smtClean="0"/>
-              <a:t>8/25/21</a:t>
+              <a:t>8/26/21</a:t>
             </a:fld>
             <a:endParaRPr lang="en-US"/>
           </a:p>
@@ -2141,7 +2142,7 @@
           <a:p>
             <a:fld id="{B01846E3-D3F0-41A5-937D-2DCC56D4A249}" type="datetimeFigureOut">
               <a:rPr lang="en-US" smtClean="0"/>
-              <a:t>8/25/21</a:t>
+              <a:t>8/26/21</a:t>
             </a:fld>
             <a:endParaRPr lang="en-US"/>
           </a:p>
@@ -2254,7 +2255,7 @@
           <a:p>
             <a:fld id="{B01846E3-D3F0-41A5-937D-2DCC56D4A249}" type="datetimeFigureOut">
               <a:rPr lang="en-US" smtClean="0"/>
-              <a:t>8/25/21</a:t>
+              <a:t>8/26/21</a:t>
             </a:fld>
             <a:endParaRPr lang="en-US"/>
           </a:p>
@@ -2565,7 +2566,7 @@
           <a:p>
             <a:fld id="{B01846E3-D3F0-41A5-937D-2DCC56D4A249}" type="datetimeFigureOut">
               <a:rPr lang="en-US" smtClean="0"/>
-              <a:t>8/25/21</a:t>
+              <a:t>8/26/21</a:t>
             </a:fld>
             <a:endParaRPr lang="en-US"/>
           </a:p>
@@ -2747,7 +2748,7 @@
           <a:p>
             <a:fld id="{846CE7D5-CF57-46EF-B807-FDD0502418D4}" type="datetimeFigureOut">
               <a:rPr lang="en-US" smtClean="0"/>
-              <a:t>8/25/21</a:t>
+              <a:t>8/26/21</a:t>
             </a:fld>
             <a:endParaRPr lang="en-US"/>
           </a:p>
@@ -3023,7 +3024,7 @@
           <a:p>
             <a:fld id="{B01846E3-D3F0-41A5-937D-2DCC56D4A249}" type="datetimeFigureOut">
               <a:rPr lang="en-US" smtClean="0"/>
-              <a:t>8/25/21</a:t>
+              <a:t>8/26/21</a:t>
             </a:fld>
             <a:endParaRPr lang="en-US"/>
           </a:p>
@@ -3221,7 +3222,7 @@
           <a:p>
             <a:fld id="{B01846E3-D3F0-41A5-937D-2DCC56D4A249}" type="datetimeFigureOut">
               <a:rPr lang="en-US" smtClean="0"/>
-              <a:t>8/25/21</a:t>
+              <a:t>8/26/21</a:t>
             </a:fld>
             <a:endParaRPr lang="en-US"/>
           </a:p>
@@ -3429,7 +3430,7 @@
           <a:p>
             <a:fld id="{B01846E3-D3F0-41A5-937D-2DCC56D4A249}" type="datetimeFigureOut">
               <a:rPr lang="en-US" smtClean="0"/>
-              <a:t>8/25/21</a:t>
+              <a:t>8/26/21</a:t>
             </a:fld>
             <a:endParaRPr lang="en-US"/>
           </a:p>
@@ -3687,7 +3688,7 @@
           <a:p>
             <a:fld id="{846CE7D5-CF57-46EF-B807-FDD0502418D4}" type="datetimeFigureOut">
               <a:rPr lang="en-US" smtClean="0"/>
-              <a:t>8/25/21</a:t>
+              <a:t>8/26/21</a:t>
             </a:fld>
             <a:endParaRPr lang="en-US"/>
           </a:p>
@@ -3919,7 +3920,7 @@
           <a:p>
             <a:fld id="{846CE7D5-CF57-46EF-B807-FDD0502418D4}" type="datetimeFigureOut">
               <a:rPr lang="en-US" smtClean="0"/>
-              <a:t>8/25/21</a:t>
+              <a:t>8/26/21</a:t>
             </a:fld>
             <a:endParaRPr lang="en-US"/>
           </a:p>
@@ -4286,7 +4287,7 @@
           <a:p>
             <a:fld id="{846CE7D5-CF57-46EF-B807-FDD0502418D4}" type="datetimeFigureOut">
               <a:rPr lang="en-US" smtClean="0"/>
-              <a:t>8/25/21</a:t>
+              <a:t>8/26/21</a:t>
             </a:fld>
             <a:endParaRPr lang="en-US"/>
           </a:p>
@@ -4404,7 +4405,7 @@
           <a:p>
             <a:fld id="{846CE7D5-CF57-46EF-B807-FDD0502418D4}" type="datetimeFigureOut">
               <a:rPr lang="en-US" smtClean="0"/>
-              <a:t>8/25/21</a:t>
+              <a:t>8/26/21</a:t>
             </a:fld>
             <a:endParaRPr lang="en-US"/>
           </a:p>
@@ -4499,7 +4500,7 @@
           <a:p>
             <a:fld id="{846CE7D5-CF57-46EF-B807-FDD0502418D4}" type="datetimeFigureOut">
               <a:rPr lang="en-US" smtClean="0"/>
-              <a:t>8/25/21</a:t>
+              <a:t>8/26/21</a:t>
             </a:fld>
             <a:endParaRPr lang="en-US"/>
           </a:p>
@@ -4776,7 +4777,7 @@
           <a:p>
             <a:fld id="{846CE7D5-CF57-46EF-B807-FDD0502418D4}" type="datetimeFigureOut">
               <a:rPr lang="en-US" smtClean="0"/>
-              <a:t>8/25/21</a:t>
+              <a:t>8/26/21</a:t>
             </a:fld>
             <a:endParaRPr lang="en-US"/>
           </a:p>
@@ -5033,7 +5034,7 @@
           <a:p>
             <a:fld id="{846CE7D5-CF57-46EF-B807-FDD0502418D4}" type="datetimeFigureOut">
               <a:rPr lang="en-US" smtClean="0"/>
-              <a:t>8/25/21</a:t>
+              <a:t>8/26/21</a:t>
             </a:fld>
             <a:endParaRPr lang="en-US"/>
           </a:p>
@@ -5246,7 +5247,7 @@
           <a:p>
             <a:fld id="{846CE7D5-CF57-46EF-B807-FDD0502418D4}" type="datetimeFigureOut">
               <a:rPr lang="en-US" smtClean="0"/>
-              <a:t>8/25/21</a:t>
+              <a:t>8/26/21</a:t>
             </a:fld>
             <a:endParaRPr lang="en-US"/>
           </a:p>
@@ -5802,7 +5803,7 @@
           <a:p>
             <a:fld id="{B01846E3-D3F0-41A5-937D-2DCC56D4A249}" type="datetimeFigureOut">
               <a:rPr lang="en-US" smtClean="0"/>
-              <a:t>8/25/21</a:t>
+              <a:t>8/26/21</a:t>
             </a:fld>
             <a:endParaRPr lang="en-US"/>
           </a:p>
@@ -8662,6 +8663,107 @@
           <p:cNvPr id="2" name="Title 1">
             <a:extLst>
               <a:ext uri="{FF2B5EF4-FFF2-40B4-BE49-F238E27FC236}">
+                <a16:creationId xmlns:a16="http://schemas.microsoft.com/office/drawing/2014/main" id="{CF617FC5-7F58-374E-B049-6BDFF6DD0F0E}"/>
+              </a:ext>
+            </a:extLst>
+          </p:cNvPr>
+          <p:cNvSpPr>
+            <a:spLocks noGrp="1"/>
+          </p:cNvSpPr>
+          <p:nvPr>
+            <p:ph type="title"/>
+          </p:nvPr>
+        </p:nvSpPr>
+        <p:spPr/>
+        <p:txBody>
+          <a:bodyPr>
+            <a:normAutofit/>
+          </a:bodyPr>
+          <a:lstStyle/>
+          <a:p>
+            <a:pPr algn="ctr"/>
+            <a:r>
+              <a:rPr lang="en-US" sz="3200" dirty="0">
+                <a:latin typeface="Arial"/>
+                <a:cs typeface="Arial"/>
+              </a:rPr>
+              <a:t>What is Boxplot</a:t>
+            </a:r>
+            <a:endParaRPr lang="en-US" sz="3200" dirty="0"/>
+          </a:p>
+        </p:txBody>
+      </p:sp>
+      <p:sp>
+        <p:nvSpPr>
+          <p:cNvPr id="3" name="Content Placeholder 2">
+            <a:extLst>
+              <a:ext uri="{FF2B5EF4-FFF2-40B4-BE49-F238E27FC236}">
+                <a16:creationId xmlns:a16="http://schemas.microsoft.com/office/drawing/2014/main" id="{EDB80AEF-A771-7C43-9F66-C252AFEFA497}"/>
+              </a:ext>
+            </a:extLst>
+          </p:cNvPr>
+          <p:cNvSpPr>
+            <a:spLocks noGrp="1"/>
+          </p:cNvSpPr>
+          <p:nvPr>
+            <p:ph idx="1"/>
+          </p:nvPr>
+        </p:nvSpPr>
+        <p:spPr/>
+        <p:txBody>
+          <a:bodyPr>
+            <a:normAutofit/>
+          </a:bodyPr>
+          <a:lstStyle/>
+          <a:p>
+            <a:pPr marL="0" indent="0">
+              <a:buNone/>
+            </a:pPr>
+            <a:r>
+              <a:rPr lang="en-US" sz="1600" dirty="0">
+                <a:latin typeface="Arial" panose="020B0604020202020204" pitchFamily="34" charset="0"/>
+                <a:cs typeface="Arial" panose="020B0604020202020204" pitchFamily="34" charset="0"/>
+              </a:rPr>
+              <a:t>A boxplot is a standardized way of displaying the distribution of data based on a five number summary (“minimum”, first quartile (Q1), median, third quartile (Q3), and “maximum”)</a:t>
+            </a:r>
+          </a:p>
+        </p:txBody>
+      </p:sp>
+    </p:spTree>
+    <p:extLst>
+      <p:ext uri="{BB962C8B-B14F-4D97-AF65-F5344CB8AC3E}">
+        <p14:creationId xmlns:p14="http://schemas.microsoft.com/office/powerpoint/2010/main" val="248750952"/>
+      </p:ext>
+    </p:extLst>
+  </p:cSld>
+  <p:clrMapOvr>
+    <a:masterClrMapping/>
+  </p:clrMapOvr>
+</p:sld>
+</file>
+
+<file path=ppt/slides/slide18.xml><?xml version="1.0" encoding="utf-8"?>
+<p:sld xmlns:a="http://schemas.openxmlformats.org/drawingml/2006/main" xmlns:r="http://schemas.openxmlformats.org/officeDocument/2006/relationships" xmlns:p="http://schemas.openxmlformats.org/presentationml/2006/main">
+  <p:cSld>
+    <p:spTree>
+      <p:nvGrpSpPr>
+        <p:cNvPr id="1" name=""/>
+        <p:cNvGrpSpPr/>
+        <p:nvPr/>
+      </p:nvGrpSpPr>
+      <p:grpSpPr>
+        <a:xfrm>
+          <a:off x="0" y="0"/>
+          <a:ext cx="0" cy="0"/>
+          <a:chOff x="0" y="0"/>
+          <a:chExt cx="0" cy="0"/>
+        </a:xfrm>
+      </p:grpSpPr>
+      <p:sp>
+        <p:nvSpPr>
+          <p:cNvPr id="2" name="Title 1">
+            <a:extLst>
+              <a:ext uri="{FF2B5EF4-FFF2-40B4-BE49-F238E27FC236}">
                 <a16:creationId xmlns:a16="http://schemas.microsoft.com/office/drawing/2014/main" id="{7DA52F5C-8E10-B34C-84B5-1DF555E6AB0C}"/>
               </a:ext>
             </a:extLst>
@@ -10819,7 +10921,7 @@
               </a:rPr>
               <a:t>plt</a:t>
             </a:r>
-            <a:endParaRPr lang="en-US" sz="1400" b="1">
+            <a:endParaRPr lang="en-US" sz="1400" b="1" dirty="0">
               <a:latin typeface="Courier New"/>
               <a:ea typeface="+mn-lt"/>
               <a:cs typeface="+mn-lt"/>
@@ -10878,11 +10980,6 @@
               </a:rPr>
               <a:t>([5,7,8,7,2,17,2,9,4,11,12,9,6])</a:t>
             </a:r>
-            <a:endParaRPr lang="en-US" sz="1400" b="1">
-              <a:latin typeface="Courier New"/>
-              <a:ea typeface="+mn-lt"/>
-              <a:cs typeface="+mn-lt"/>
-            </a:endParaRPr>
           </a:p>
           <a:p>
             <a:pPr eaLnBrk="0" fontAlgn="base" hangingPunct="0"/>

--- a/Week2/2.3 Data Visualization.pptx
+++ b/Week2/2.3 Data Visualization.pptx
@@ -7018,8 +7018,8 @@
         </p:blipFill>
         <p:spPr>
           <a:xfrm>
-            <a:off x="4100830" y="3275150"/>
-            <a:ext cx="3990340" cy="2657973"/>
+            <a:off x="3598513" y="3064761"/>
+            <a:ext cx="4114940" cy="2740969"/>
           </a:xfrm>
           <a:prstGeom prst="rect">
             <a:avLst/>
@@ -7106,7 +7106,7 @@
         <p:spPr/>
         <p:txBody>
           <a:bodyPr>
-            <a:normAutofit/>
+            <a:normAutofit fontScale="92500" lnSpcReduction="10000"/>
           </a:bodyPr>
           <a:lstStyle/>
           <a:p>
@@ -7204,6 +7204,15 @@
               </a:rPr>
               <a:t>From here, we can guess the mean of the weight is around 175 and the mode is around 174. This one of the advantages of creating a histogram on dataset. </a:t>
             </a:r>
+          </a:p>
+          <a:p>
+            <a:pPr marL="0" indent="0">
+              <a:buNone/>
+            </a:pPr>
+            <a:endParaRPr lang="en-US" sz="1600" dirty="0">
+              <a:latin typeface="Arial" panose="020B0604020202020204" pitchFamily="34" charset="0"/>
+              <a:cs typeface="Arial" panose="020B0604020202020204" pitchFamily="34" charset="0"/>
+            </a:endParaRPr>
           </a:p>
           <a:p>
             <a:pPr marL="0" indent="0">
@@ -7260,7 +7269,7 @@
         </p:blipFill>
         <p:spPr>
           <a:xfrm>
-            <a:off x="2674620" y="2155825"/>
+            <a:off x="3155068" y="2000842"/>
             <a:ext cx="3807476" cy="2546350"/>
           </a:xfrm>
           <a:prstGeom prst="rect">
@@ -7403,8 +7412,8 @@
         </p:blipFill>
         <p:spPr>
           <a:xfrm>
-            <a:off x="3581400" y="3429000"/>
-            <a:ext cx="3779520" cy="2244319"/>
+            <a:off x="3643392" y="3196525"/>
+            <a:ext cx="4136757" cy="2456450"/>
           </a:xfrm>
           <a:prstGeom prst="rect">
             <a:avLst/>
@@ -8104,11 +8113,6 @@
               </a:rPr>
               <a:t>A pie chart is a circular statistical graphic, which is divided into slices to illustrate numerical proportion. It expresses a part-to-whole relationship in your data. </a:t>
             </a:r>
-            <a:endParaRPr lang="en-US" sz="1600">
-              <a:latin typeface="Alien"/>
-              <a:ea typeface="+mn-lt"/>
-              <a:cs typeface="+mn-lt"/>
-            </a:endParaRPr>
           </a:p>
         </p:txBody>
       </p:sp>
@@ -9630,7 +9634,7 @@
                 <a:ea typeface="+mn-lt"/>
                 <a:cs typeface="+mn-lt"/>
               </a:rPr>
-              <a:t>([1, 2, 3, 4], [1, 4, 9, 16])</a:t>
+              <a:t>([ [1, 2, 3, 4], [1, 4, 9, 16])</a:t>
             </a:r>
           </a:p>
           <a:p>
